--- a/schema.pptx
+++ b/schema.pptx
@@ -2978,14 +2978,14 @@
           <p:nvPr>
             <p:extLst>
               <p:ext uri="{D42A27DB-BD31-4B8C-83A1-F6EECF244321}">
-                <p14:modId xmlns:p14="http://schemas.microsoft.com/office/powerpoint/2010/main" val="1909012172"/>
+                <p14:modId xmlns:p14="http://schemas.microsoft.com/office/powerpoint/2010/main" val="38799546"/>
               </p:ext>
             </p:extLst>
           </p:nvPr>
         </p:nvGraphicFramePr>
         <p:xfrm>
           <a:off x="5035023" y="3690137"/>
-          <a:ext cx="2875458" cy="1920240"/>
+          <a:ext cx="2875458" cy="2194560"/>
         </p:xfrm>
         <a:graphic>
           <a:graphicData uri="http://schemas.openxmlformats.org/drawingml/2006/table">
@@ -3061,7 +3061,7 @@
                     <a:p>
                       <a:r>
                         <a:rPr lang="en-US" sz="1200" dirty="0" smtClean="0"/>
-                        <a:t>role*</a:t>
+                        <a:t>pub-name*</a:t>
                       </a:r>
                       <a:endParaRPr lang="en-US" sz="1200" dirty="0"/>
                     </a:p>
@@ -3091,6 +3091,36 @@
                     <a:p>
                       <a:r>
                         <a:rPr lang="en-US" sz="1200" dirty="0" smtClean="0"/>
+                        <a:t>role*</a:t>
+                      </a:r>
+                      <a:endParaRPr lang="en-US" sz="1200" dirty="0"/>
+                    </a:p>
+                  </a:txBody>
+                  <a:tcPr/>
+                </a:tc>
+                <a:tc>
+                  <a:txBody>
+                    <a:bodyPr/>
+                    <a:lstStyle/>
+                    <a:p>
+                      <a:r>
+                        <a:rPr lang="en-US" sz="1200" dirty="0" smtClean="0"/>
+                        <a:t>string</a:t>
+                      </a:r>
+                      <a:endParaRPr lang="en-US" sz="1200" dirty="0"/>
+                    </a:p>
+                  </a:txBody>
+                  <a:tcPr/>
+                </a:tc>
+              </a:tr>
+              <a:tr h="0">
+                <a:tc>
+                  <a:txBody>
+                    <a:bodyPr/>
+                    <a:lstStyle/>
+                    <a:p>
+                      <a:r>
+                        <a:rPr lang="en-US" sz="1200" dirty="0" smtClean="0"/>
                         <a:t>portrait*</a:t>
                       </a:r>
                       <a:endParaRPr lang="en-US" sz="1200" dirty="0"/>
@@ -3120,6 +3150,36 @@
                     <a:lstStyle/>
                     <a:p>
                       <a:r>
+                        <a:rPr lang="en-US" sz="1200" dirty="0" smtClean="0"/>
+                        <a:t>institutes</a:t>
+                      </a:r>
+                      <a:endParaRPr lang="en-US" sz="1200" dirty="0"/>
+                    </a:p>
+                  </a:txBody>
+                  <a:tcPr/>
+                </a:tc>
+                <a:tc>
+                  <a:txBody>
+                    <a:bodyPr/>
+                    <a:lstStyle/>
+                    <a:p>
+                      <a:r>
+                        <a:rPr lang="en-US" sz="1200" dirty="0" smtClean="0"/>
+                        <a:t>array(_institutes)</a:t>
+                      </a:r>
+                      <a:endParaRPr lang="en-US" sz="1200" dirty="0"/>
+                    </a:p>
+                  </a:txBody>
+                  <a:tcPr/>
+                </a:tc>
+              </a:tr>
+              <a:tr h="0">
+                <a:tc>
+                  <a:txBody>
+                    <a:bodyPr/>
+                    <a:lstStyle/>
+                    <a:p>
+                      <a:r>
                         <a:rPr lang="en-US" sz="1200" dirty="0" err="1" smtClean="0"/>
                         <a:t>phd</a:t>
                       </a:r>
@@ -3136,36 +3196,6 @@
                       <a:r>
                         <a:rPr lang="en-US" sz="1200" dirty="0" err="1" smtClean="0"/>
                         <a:t>boolean</a:t>
-                      </a:r>
-                      <a:endParaRPr lang="en-US" sz="1200" dirty="0"/>
-                    </a:p>
-                  </a:txBody>
-                  <a:tcPr/>
-                </a:tc>
-              </a:tr>
-              <a:tr h="0">
-                <a:tc>
-                  <a:txBody>
-                    <a:bodyPr/>
-                    <a:lstStyle/>
-                    <a:p>
-                      <a:r>
-                        <a:rPr lang="en-US" sz="1200" dirty="0" smtClean="0"/>
-                        <a:t>institutes</a:t>
-                      </a:r>
-                      <a:endParaRPr lang="en-US" sz="1200" dirty="0"/>
-                    </a:p>
-                  </a:txBody>
-                  <a:tcPr/>
-                </a:tc>
-                <a:tc>
-                  <a:txBody>
-                    <a:bodyPr/>
-                    <a:lstStyle/>
-                    <a:p>
-                      <a:r>
-                        <a:rPr lang="en-US" sz="1200" dirty="0" smtClean="0"/>
-                        <a:t>array(_institutes)</a:t>
                       </a:r>
                       <a:endParaRPr lang="en-US" sz="1200" dirty="0"/>
                     </a:p>

--- a/schema.pptx
+++ b/schema.pptx
@@ -243,7 +243,7 @@
           <a:p>
             <a:fld id="{07630975-CC1D-824B-AC4B-C7BA94ECA130}" type="datetimeFigureOut">
               <a:rPr lang="en-US" smtClean="0"/>
-              <a:t>12/14/16</a:t>
+              <a:t>12/22/16</a:t>
             </a:fld>
             <a:endParaRPr lang="en-US"/>
           </a:p>
@@ -413,7 +413,7 @@
           <a:p>
             <a:fld id="{07630975-CC1D-824B-AC4B-C7BA94ECA130}" type="datetimeFigureOut">
               <a:rPr lang="en-US" smtClean="0"/>
-              <a:t>12/14/16</a:t>
+              <a:t>12/22/16</a:t>
             </a:fld>
             <a:endParaRPr lang="en-US"/>
           </a:p>
@@ -593,7 +593,7 @@
           <a:p>
             <a:fld id="{07630975-CC1D-824B-AC4B-C7BA94ECA130}" type="datetimeFigureOut">
               <a:rPr lang="en-US" smtClean="0"/>
-              <a:t>12/14/16</a:t>
+              <a:t>12/22/16</a:t>
             </a:fld>
             <a:endParaRPr lang="en-US"/>
           </a:p>
@@ -763,7 +763,7 @@
           <a:p>
             <a:fld id="{07630975-CC1D-824B-AC4B-C7BA94ECA130}" type="datetimeFigureOut">
               <a:rPr lang="en-US" smtClean="0"/>
-              <a:t>12/14/16</a:t>
+              <a:t>12/22/16</a:t>
             </a:fld>
             <a:endParaRPr lang="en-US"/>
           </a:p>
@@ -1009,7 +1009,7 @@
           <a:p>
             <a:fld id="{07630975-CC1D-824B-AC4B-C7BA94ECA130}" type="datetimeFigureOut">
               <a:rPr lang="en-US" smtClean="0"/>
-              <a:t>12/14/16</a:t>
+              <a:t>12/22/16</a:t>
             </a:fld>
             <a:endParaRPr lang="en-US"/>
           </a:p>
@@ -1241,7 +1241,7 @@
           <a:p>
             <a:fld id="{07630975-CC1D-824B-AC4B-C7BA94ECA130}" type="datetimeFigureOut">
               <a:rPr lang="en-US" smtClean="0"/>
-              <a:t>12/14/16</a:t>
+              <a:t>12/22/16</a:t>
             </a:fld>
             <a:endParaRPr lang="en-US"/>
           </a:p>
@@ -1608,7 +1608,7 @@
           <a:p>
             <a:fld id="{07630975-CC1D-824B-AC4B-C7BA94ECA130}" type="datetimeFigureOut">
               <a:rPr lang="en-US" smtClean="0"/>
-              <a:t>12/14/16</a:t>
+              <a:t>12/22/16</a:t>
             </a:fld>
             <a:endParaRPr lang="en-US"/>
           </a:p>
@@ -1726,7 +1726,7 @@
           <a:p>
             <a:fld id="{07630975-CC1D-824B-AC4B-C7BA94ECA130}" type="datetimeFigureOut">
               <a:rPr lang="en-US" smtClean="0"/>
-              <a:t>12/14/16</a:t>
+              <a:t>12/22/16</a:t>
             </a:fld>
             <a:endParaRPr lang="en-US"/>
           </a:p>
@@ -1821,7 +1821,7 @@
           <a:p>
             <a:fld id="{07630975-CC1D-824B-AC4B-C7BA94ECA130}" type="datetimeFigureOut">
               <a:rPr lang="en-US" smtClean="0"/>
-              <a:t>12/14/16</a:t>
+              <a:t>12/22/16</a:t>
             </a:fld>
             <a:endParaRPr lang="en-US"/>
           </a:p>
@@ -2098,7 +2098,7 @@
           <a:p>
             <a:fld id="{07630975-CC1D-824B-AC4B-C7BA94ECA130}" type="datetimeFigureOut">
               <a:rPr lang="en-US" smtClean="0"/>
-              <a:t>12/14/16</a:t>
+              <a:t>12/22/16</a:t>
             </a:fld>
             <a:endParaRPr lang="en-US"/>
           </a:p>
@@ -2351,7 +2351,7 @@
           <a:p>
             <a:fld id="{07630975-CC1D-824B-AC4B-C7BA94ECA130}" type="datetimeFigureOut">
               <a:rPr lang="en-US" smtClean="0"/>
-              <a:t>12/14/16</a:t>
+              <a:t>12/22/16</a:t>
             </a:fld>
             <a:endParaRPr lang="en-US"/>
           </a:p>
@@ -2564,7 +2564,7 @@
           <a:p>
             <a:fld id="{07630975-CC1D-824B-AC4B-C7BA94ECA130}" type="datetimeFigureOut">
               <a:rPr lang="en-US" smtClean="0"/>
-              <a:t>12/14/16</a:t>
+              <a:t>12/22/16</a:t>
             </a:fld>
             <a:endParaRPr lang="en-US"/>
           </a:p>
@@ -2978,14 +2978,14 @@
           <p:nvPr>
             <p:extLst>
               <p:ext uri="{D42A27DB-BD31-4B8C-83A1-F6EECF244321}">
-                <p14:modId xmlns:p14="http://schemas.microsoft.com/office/powerpoint/2010/main" val="38799546"/>
+                <p14:modId xmlns:p14="http://schemas.microsoft.com/office/powerpoint/2010/main" val="446703190"/>
               </p:ext>
             </p:extLst>
           </p:nvPr>
         </p:nvGraphicFramePr>
         <p:xfrm>
           <a:off x="5035023" y="3690137"/>
-          <a:ext cx="2875458" cy="2194560"/>
+          <a:ext cx="2875458" cy="2468880"/>
         </p:xfrm>
         <a:graphic>
           <a:graphicData uri="http://schemas.openxmlformats.org/drawingml/2006/table">
@@ -3182,6 +3182,36 @@
                       <a:r>
                         <a:rPr lang="en-US" sz="1200" dirty="0" err="1" smtClean="0"/>
                         <a:t>phd</a:t>
+                      </a:r>
+                      <a:endParaRPr lang="en-US" sz="1200" dirty="0"/>
+                    </a:p>
+                  </a:txBody>
+                  <a:tcPr/>
+                </a:tc>
+                <a:tc>
+                  <a:txBody>
+                    <a:bodyPr/>
+                    <a:lstStyle/>
+                    <a:p>
+                      <a:r>
+                        <a:rPr lang="en-US" sz="1200" dirty="0" err="1" smtClean="0"/>
+                        <a:t>boolean</a:t>
+                      </a:r>
+                      <a:endParaRPr lang="en-US" sz="1200" dirty="0"/>
+                    </a:p>
+                  </a:txBody>
+                  <a:tcPr/>
+                </a:tc>
+              </a:tr>
+              <a:tr h="0">
+                <a:tc>
+                  <a:txBody>
+                    <a:bodyPr/>
+                    <a:lstStyle/>
+                    <a:p>
+                      <a:r>
+                        <a:rPr lang="en-US" sz="1200" dirty="0" smtClean="0"/>
+                        <a:t>alum</a:t>
                       </a:r>
                       <a:endParaRPr lang="en-US" sz="1200" dirty="0"/>
                     </a:p>
@@ -4069,11 +4099,7 @@
                       </a:r>
                       <a:r>
                         <a:rPr lang="en-US" sz="1200" baseline="0" dirty="0" smtClean="0"/>
-                        <a:t>, </a:t>
-                      </a:r>
-                      <a:r>
-                        <a:rPr lang="en-US" sz="1200" baseline="0" dirty="0" smtClean="0"/>
-                        <a:t>default=true</a:t>
+                        <a:t>, default=true</a:t>
                       </a:r>
                       <a:endParaRPr lang="en-US" sz="1200" dirty="0"/>
                     </a:p>
